--- a/lab_sessions/1_setup/01-slides.pptx
+++ b/lab_sessions/1_setup/01-slides.pptx
@@ -3935,10 +3935,10 @@
       </p:par>
     </p:tnLst>
     <p:bldLst>
+      <p:bldP build="whole" bldLvl="1" animBg="1" rev="0" advAuto="0" spid="124" grpId="2"/>
       <p:bldP build="p" bldLvl="5" animBg="1" rev="0" advAuto="0" spid="121" grpId="4"/>
+      <p:bldP build="whole" bldLvl="1" animBg="1" rev="0" advAuto="0" spid="123" grpId="1"/>
       <p:bldP build="whole" bldLvl="1" animBg="1" rev="0" advAuto="0" spid="125" grpId="3"/>
-      <p:bldP build="whole" bldLvl="1" animBg="1" rev="0" advAuto="0" spid="123" grpId="1"/>
-      <p:bldP build="whole" bldLvl="1" animBg="1" rev="0" advAuto="0" spid="124" grpId="2"/>
     </p:bldLst>
   </p:timing>
 </p:sld>
@@ -6437,19 +6437,19 @@
       </p:par>
     </p:tnLst>
     <p:bldLst>
+      <p:bldP build="p" bldLvl="5" animBg="1" rev="0" advAuto="0" spid="135" grpId="1"/>
+      <p:bldP build="whole" bldLvl="1" animBg="1" rev="0" advAuto="0" spid="152" grpId="10"/>
+      <p:bldP build="whole" bldLvl="1" animBg="1" rev="0" advAuto="0" spid="147" grpId="13"/>
       <p:bldP build="whole" bldLvl="1" animBg="1" rev="0" advAuto="0" spid="142" grpId="6"/>
+      <p:bldP build="whole" bldLvl="1" animBg="1" rev="0" advAuto="0" spid="148" grpId="8"/>
+      <p:bldP build="whole" bldLvl="1" animBg="1" rev="0" advAuto="0" spid="141" grpId="7"/>
+      <p:bldP build="whole" bldLvl="1" animBg="1" rev="0" advAuto="0" spid="133" grpId="11"/>
       <p:bldP build="whole" bldLvl="1" animBg="1" rev="0" advAuto="0" spid="144" grpId="4"/>
+      <p:bldP build="whole" bldLvl="1" animBg="1" rev="0" advAuto="0" spid="150" grpId="5"/>
+      <p:bldP build="whole" bldLvl="1" animBg="1" rev="0" advAuto="0" spid="151" grpId="9"/>
+      <p:bldP build="whole" bldLvl="1" animBg="1" rev="0" advAuto="0" spid="149" grpId="3"/>
       <p:bldP build="whole" bldLvl="1" animBg="1" rev="0" advAuto="0" spid="140" grpId="2"/>
-      <p:bldP build="whole" bldLvl="1" animBg="1" rev="0" advAuto="0" spid="149" grpId="3"/>
       <p:bldP build="whole" bldLvl="1" animBg="1" rev="0" advAuto="0" spid="143" grpId="12"/>
-      <p:bldP build="whole" bldLvl="1" animBg="1" rev="0" advAuto="0" spid="151" grpId="9"/>
-      <p:bldP build="whole" bldLvl="1" animBg="1" rev="0" advAuto="0" spid="133" grpId="11"/>
-      <p:bldP build="whole" bldLvl="1" animBg="1" rev="0" advAuto="0" spid="147" grpId="13"/>
-      <p:bldP build="p" bldLvl="5" animBg="1" rev="0" advAuto="0" spid="135" grpId="1"/>
-      <p:bldP build="whole" bldLvl="1" animBg="1" rev="0" advAuto="0" spid="148" grpId="8"/>
-      <p:bldP build="whole" bldLvl="1" animBg="1" rev="0" advAuto="0" spid="150" grpId="5"/>
-      <p:bldP build="whole" bldLvl="1" animBg="1" rev="0" advAuto="0" spid="152" grpId="10"/>
-      <p:bldP build="whole" bldLvl="1" animBg="1" rev="0" advAuto="0" spid="141" grpId="7"/>
     </p:bldLst>
   </p:timing>
 </p:sld>
@@ -8292,8 +8292,8 @@
     </p:tnLst>
     <p:bldLst>
       <p:bldP build="whole" bldLvl="1" animBg="1" rev="0" advAuto="0" spid="170" grpId="3"/>
+      <p:bldP build="whole" bldLvl="1" animBg="1" rev="0" advAuto="0" spid="171" grpId="2"/>
       <p:bldP build="p" bldLvl="5" animBg="1" rev="0" advAuto="0" spid="168" grpId="1"/>
-      <p:bldP build="whole" bldLvl="1" animBg="1" rev="0" advAuto="0" spid="171" grpId="2"/>
     </p:bldLst>
   </p:timing>
 </p:sld>
@@ -8962,10 +8962,10 @@
       </p:par>
     </p:tnLst>
     <p:bldLst>
+      <p:bldP build="whole" bldLvl="1" animBg="1" rev="0" advAuto="0" spid="178" grpId="1"/>
+      <p:bldP build="whole" bldLvl="1" animBg="1" rev="0" advAuto="0" spid="180" grpId="3"/>
+      <p:bldP build="whole" bldLvl="1" animBg="1" rev="0" advAuto="0" spid="179" grpId="4"/>
       <p:bldP build="whole" bldLvl="1" animBg="1" rev="0" advAuto="0" spid="181" grpId="2"/>
-      <p:bldP build="whole" bldLvl="1" animBg="1" rev="0" advAuto="0" spid="180" grpId="3"/>
-      <p:bldP build="whole" bldLvl="1" animBg="1" rev="0" advAuto="0" spid="178" grpId="1"/>
-      <p:bldP build="whole" bldLvl="1" animBg="1" rev="0" advAuto="0" spid="179" grpId="4"/>
     </p:bldLst>
   </p:timing>
 </p:sld>
@@ -11133,13 +11133,13 @@
     </p:tnLst>
     <p:bldLst>
       <p:bldP build="whole" bldLvl="1" animBg="1" rev="0" advAuto="0" spid="203" grpId="5"/>
+      <p:bldP build="whole" bldLvl="1" animBg="1" rev="0" advAuto="0" spid="207" grpId="3"/>
+      <p:bldP build="p" bldLvl="5" animBg="1" rev="0" advAuto="0" spid="201" grpId="1"/>
+      <p:bldP build="whole" bldLvl="1" animBg="1" rev="0" advAuto="0" spid="199" grpId="4"/>
       <p:bldP build="whole" bldLvl="1" animBg="1" rev="0" advAuto="0" spid="206" grpId="7"/>
-      <p:bldP build="whole" bldLvl="1" animBg="1" rev="0" advAuto="0" spid="207" grpId="3"/>
       <p:bldP build="whole" bldLvl="1" animBg="1" rev="0" advAuto="0" spid="199" grpId="8"/>
       <p:bldP build="whole" bldLvl="1" animBg="1" rev="0" advAuto="0" spid="205" grpId="2"/>
       <p:bldP build="whole" bldLvl="1" animBg="1" rev="0" advAuto="0" spid="204" grpId="6"/>
-      <p:bldP build="p" bldLvl="5" animBg="1" rev="0" advAuto="0" spid="201" grpId="1"/>
-      <p:bldP build="whole" bldLvl="1" animBg="1" rev="0" advAuto="0" spid="199" grpId="4"/>
     </p:bldLst>
   </p:timing>
 </p:sld>
@@ -13976,15 +13976,15 @@
       </p:par>
     </p:tnLst>
     <p:bldLst>
+      <p:bldP build="whole" bldLvl="1" animBg="1" rev="0" advAuto="0" spid="222" grpId="2"/>
       <p:bldP build="whole" bldLvl="1" animBg="1" rev="0" advAuto="0" spid="224" grpId="6"/>
-      <p:bldP build="whole" bldLvl="1" animBg="1" rev="0" advAuto="0" spid="233" grpId="5"/>
-      <p:bldP build="whole" bldLvl="1" animBg="1" rev="0" advAuto="0" spid="231" grpId="1"/>
-      <p:bldP build="whole" bldLvl="1" animBg="1" rev="0" advAuto="0" spid="223" grpId="4"/>
-      <p:bldP build="whole" bldLvl="1" animBg="1" rev="0" advAuto="0" spid="232" grpId="3"/>
-      <p:bldP build="whole" bldLvl="1" animBg="1" rev="0" advAuto="0" spid="222" grpId="2"/>
       <p:bldP build="whole" bldLvl="1" animBg="1" rev="0" advAuto="0" spid="234" grpId="7"/>
       <p:bldP build="whole" bldLvl="1" animBg="1" rev="0" advAuto="0" spid="225" grpId="8"/>
       <p:bldP build="p" bldLvl="5" animBg="1" rev="0" advAuto="0" spid="227" grpId="9"/>
+      <p:bldP build="whole" bldLvl="1" animBg="1" rev="0" advAuto="0" spid="233" grpId="5"/>
+      <p:bldP build="whole" bldLvl="1" animBg="1" rev="0" advAuto="0" spid="223" grpId="4"/>
+      <p:bldP build="whole" bldLvl="1" animBg="1" rev="0" advAuto="0" spid="231" grpId="1"/>
+      <p:bldP build="whole" bldLvl="1" animBg="1" rev="0" advAuto="0" spid="232" grpId="3"/>
     </p:bldLst>
   </p:timing>
 </p:sld>
@@ -16320,13 +16320,13 @@
       </p:par>
     </p:tnLst>
     <p:bldLst>
+      <p:bldP build="whole" bldLvl="1" animBg="1" rev="0" advAuto="0" spid="275" grpId="1"/>
+      <p:bldP build="whole" bldLvl="1" animBg="1" rev="0" advAuto="0" spid="264" grpId="4"/>
+      <p:bldP build="p" bldLvl="5" animBg="1" rev="0" advAuto="0" spid="261" grpId="3"/>
+      <p:bldP build="whole" bldLvl="1" animBg="1" rev="0" advAuto="0" spid="274" grpId="2"/>
+      <p:bldP build="whole" bldLvl="1" animBg="1" rev="0" advAuto="0" spid="268" grpId="6"/>
       <p:bldP build="whole" bldLvl="1" animBg="1" rev="0" advAuto="0" spid="273" grpId="7"/>
-      <p:bldP build="whole" bldLvl="1" animBg="1" rev="0" advAuto="0" spid="275" grpId="1"/>
-      <p:bldP build="whole" bldLvl="1" animBg="1" rev="0" advAuto="0" spid="268" grpId="6"/>
       <p:bldP build="whole" bldLvl="1" animBg="1" rev="0" advAuto="0" spid="263" grpId="5"/>
-      <p:bldP build="whole" bldLvl="1" animBg="1" rev="0" advAuto="0" spid="264" grpId="4"/>
-      <p:bldP build="whole" bldLvl="1" animBg="1" rev="0" advAuto="0" spid="274" grpId="2"/>
-      <p:bldP build="p" bldLvl="5" animBg="1" rev="0" advAuto="0" spid="261" grpId="3"/>
     </p:bldLst>
   </p:timing>
 </p:sld>
@@ -20359,42 +20359,42 @@
       </p:par>
     </p:tnLst>
     <p:bldLst>
+      <p:bldP build="whole" bldLvl="1" animBg="1" rev="0" advAuto="0" spid="297" grpId="8"/>
       <p:bldP build="whole" bldLvl="1" animBg="1" rev="0" advAuto="0" spid="319" grpId="27"/>
+      <p:bldP build="whole" bldLvl="1" animBg="1" rev="0" advAuto="0" spid="293" grpId="5"/>
+      <p:bldP build="whole" bldLvl="1" animBg="1" rev="0" advAuto="0" spid="322" grpId="25"/>
+      <p:bldP build="whole" bldLvl="1" animBg="1" rev="0" advAuto="0" spid="286" grpId="6"/>
       <p:bldP build="whole" bldLvl="1" animBg="1" rev="0" advAuto="0" spid="301" grpId="13"/>
+      <p:bldP build="whole" bldLvl="1" animBg="1" rev="0" advAuto="0" spid="304" grpId="15"/>
+      <p:bldP build="whole" bldLvl="1" animBg="1" rev="0" advAuto="0" spid="317" grpId="28"/>
+      <p:bldP build="whole" bldLvl="1" animBg="1" rev="0" advAuto="0" spid="308" grpId="20"/>
+      <p:bldP build="whole" bldLvl="1" animBg="1" rev="0" advAuto="0" spid="316" grpId="31"/>
+      <p:bldP build="whole" bldLvl="1" animBg="1" rev="0" advAuto="0" spid="315" grpId="30"/>
+      <p:bldP build="whole" bldLvl="1" animBg="1" rev="0" advAuto="0" spid="296" grpId="10"/>
+      <p:bldP build="whole" bldLvl="1" animBg="1" rev="0" advAuto="0" spid="318" grpId="29"/>
       <p:bldP build="whole" bldLvl="1" animBg="1" rev="0" advAuto="0" spid="292" grpId="1"/>
-      <p:bldP build="whole" bldLvl="1" animBg="1" rev="0" advAuto="0" spid="297" grpId="8"/>
+      <p:bldP build="whole" bldLvl="1" animBg="1" rev="0" advAuto="0" spid="298" grpId="11"/>
+      <p:bldP build="whole" bldLvl="1" animBg="1" rev="0" advAuto="0" spid="313" grpId="33"/>
+      <p:bldP build="whole" bldLvl="1" animBg="1" rev="0" advAuto="0" spid="287" grpId="3"/>
+      <p:bldP build="whole" bldLvl="1" animBg="1" rev="0" advAuto="0" spid="307" grpId="19"/>
+      <p:bldP build="whole" bldLvl="1" animBg="1" rev="0" advAuto="0" spid="302" grpId="14"/>
+      <p:bldP build="whole" bldLvl="1" animBg="1" rev="0" advAuto="0" spid="288" grpId="2"/>
+      <p:bldP build="whole" bldLvl="1" animBg="1" rev="0" advAuto="0" spid="305" grpId="17"/>
       <p:bldP build="whole" bldLvl="1" animBg="1" rev="0" advAuto="0" spid="289" grpId="4"/>
-      <p:bldP build="whole" bldLvl="1" animBg="1" rev="0" advAuto="0" spid="308" grpId="20"/>
+      <p:bldP build="whole" bldLvl="1" animBg="1" rev="0" advAuto="0" spid="309" grpId="18"/>
+      <p:bldP build="whole" bldLvl="1" animBg="1" rev="0" advAuto="0" spid="306" grpId="21"/>
+      <p:bldP build="whole" bldLvl="1" animBg="1" rev="0" advAuto="0" spid="320" grpId="24"/>
+      <p:bldP build="whole" bldLvl="1" animBg="1" rev="0" advAuto="0" spid="294" grpId="9"/>
+      <p:bldP build="whole" bldLvl="1" animBg="1" rev="0" advAuto="0" spid="311" grpId="35"/>
+      <p:bldP build="whole" bldLvl="1" animBg="1" rev="0" advAuto="0" spid="321" grpId="23"/>
+      <p:bldP build="whole" bldLvl="1" animBg="1" rev="0" advAuto="0" spid="291" grpId="22"/>
       <p:bldP build="whole" bldLvl="1" animBg="1" rev="0" advAuto="0" spid="295" grpId="7"/>
-      <p:bldP build="whole" bldLvl="1" animBg="1" rev="0" advAuto="0" spid="306" grpId="21"/>
-      <p:bldP build="whole" bldLvl="1" animBg="1" rev="0" advAuto="0" spid="309" grpId="18"/>
       <p:bldP build="whole" bldLvl="1" animBg="1" rev="0" advAuto="0" spid="314" grpId="32"/>
-      <p:bldP build="whole" bldLvl="1" animBg="1" rev="0" advAuto="0" spid="293" grpId="5"/>
-      <p:bldP build="whole" bldLvl="1" animBg="1" rev="0" advAuto="0" spid="315" grpId="30"/>
-      <p:bldP build="whole" bldLvl="1" animBg="1" rev="0" advAuto="0" spid="311" grpId="35"/>
-      <p:bldP build="whole" bldLvl="1" animBg="1" rev="0" advAuto="0" spid="305" grpId="17"/>
-      <p:bldP build="whole" bldLvl="1" animBg="1" rev="0" advAuto="0" spid="322" grpId="25"/>
-      <p:bldP build="whole" bldLvl="1" animBg="1" rev="0" advAuto="0" spid="291" grpId="22"/>
-      <p:bldP build="whole" bldLvl="1" animBg="1" rev="0" advAuto="0" spid="296" grpId="10"/>
-      <p:bldP build="whole" bldLvl="1" animBg="1" rev="0" advAuto="0" spid="320" grpId="24"/>
-      <p:bldP build="whole" bldLvl="1" animBg="1" rev="0" advAuto="0" spid="287" grpId="3"/>
       <p:bldP build="whole" bldLvl="1" animBg="1" rev="0" advAuto="0" spid="299" grpId="12"/>
-      <p:bldP build="whole" bldLvl="1" animBg="1" rev="0" advAuto="0" spid="316" grpId="31"/>
-      <p:bldP build="whole" bldLvl="1" animBg="1" rev="0" advAuto="0" spid="317" grpId="28"/>
       <p:bldP build="whole" bldLvl="1" animBg="1" rev="0" advAuto="0" spid="323" grpId="26"/>
-      <p:bldP build="whole" bldLvl="1" animBg="1" rev="0" advAuto="0" spid="298" grpId="11"/>
+      <p:bldP build="whole" bldLvl="1" animBg="1" rev="0" advAuto="0" spid="312" grpId="36"/>
       <p:bldP build="whole" bldLvl="1" animBg="1" rev="0" advAuto="0" spid="310" grpId="34"/>
       <p:bldP build="whole" bldLvl="1" animBg="1" rev="0" advAuto="0" spid="303" grpId="16"/>
-      <p:bldP build="whole" bldLvl="1" animBg="1" rev="0" advAuto="0" spid="307" grpId="19"/>
-      <p:bldP build="whole" bldLvl="1" animBg="1" rev="0" advAuto="0" spid="321" grpId="23"/>
-      <p:bldP build="whole" bldLvl="1" animBg="1" rev="0" advAuto="0" spid="288" grpId="2"/>
-      <p:bldP build="whole" bldLvl="1" animBg="1" rev="0" advAuto="0" spid="304" grpId="15"/>
-      <p:bldP build="whole" bldLvl="1" animBg="1" rev="0" advAuto="0" spid="302" grpId="14"/>
-      <p:bldP build="whole" bldLvl="1" animBg="1" rev="0" advAuto="0" spid="318" grpId="29"/>
-      <p:bldP build="whole" bldLvl="1" animBg="1" rev="0" advAuto="0" spid="313" grpId="33"/>
-      <p:bldP build="whole" bldLvl="1" animBg="1" rev="0" advAuto="0" spid="294" grpId="9"/>
-      <p:bldP build="whole" bldLvl="1" animBg="1" rev="0" advAuto="0" spid="286" grpId="6"/>
-      <p:bldP build="whole" bldLvl="1" animBg="1" rev="0" advAuto="0" spid="312" grpId="36"/>
     </p:bldLst>
   </p:timing>
 </p:sld>
@@ -22107,6 +22107,55 @@
           </a:p>
         </p:txBody>
       </p:sp>
+      <p:sp>
+        <p:nvSpPr>
+          <p:cNvPr id="339" name="Shape 339"/>
+          <p:cNvSpPr/>
+          <p:nvPr/>
+        </p:nvSpPr>
+        <p:spPr>
+          <a:xfrm>
+            <a:off x="4068700" y="742763"/>
+            <a:ext cx="4994401" cy="769871"/>
+          </a:xfrm>
+          <a:prstGeom prst="rect">
+            <a:avLst/>
+          </a:prstGeom>
+          <a:ln w="12700">
+            <a:miter lim="400000"/>
+          </a:ln>
+          <a:extLst>
+            <a:ext uri="{C572A759-6A51-4108-AA02-DFA0A04FC94B}">
+              <ma14:wrappingTextBoxFlag xmlns:ma14="http://schemas.microsoft.com/office/mac/drawingml/2011/main" val="1"/>
+            </a:ext>
+          </a:extLst>
+        </p:spPr>
+        <p:txBody>
+          <a:bodyPr wrap="none" lIns="45718" tIns="45718" rIns="45718" bIns="45718">
+            <a:spAutoFit/>
+          </a:bodyPr>
+          <a:lstStyle/>
+          <a:p>
+            <a:pPr lvl="0">
+              <a:defRPr sz="1800"/>
+            </a:pPr>
+            <a:r>
+              <a:rPr b="1" sz="2000"/>
+              <a:t>Username: ingi2145-firstname.lastname</a:t>
+            </a:r>
+            <a:endParaRPr b="1" sz="2000"/>
+          </a:p>
+          <a:p>
+            <a:pPr lvl="0">
+              <a:defRPr sz="1800"/>
+            </a:pPr>
+            <a:r>
+              <a:rPr b="1" sz="2000"/>
+              <a:t>Password: aghaMeJ9Zu4sho</a:t>
+            </a:r>
+          </a:p>
+        </p:txBody>
+      </p:sp>
     </p:spTree>
   </p:cSld>
   <p:clrMapOvr>
@@ -22135,7 +22184,7 @@
       </p:grpSpPr>
       <p:sp>
         <p:nvSpPr>
-          <p:cNvPr id="340" name="Shape 340"/>
+          <p:cNvPr id="341" name="Shape 341"/>
           <p:cNvSpPr/>
           <p:nvPr/>
         </p:nvSpPr>
@@ -22197,7 +22246,7 @@
       </p:sp>
       <p:sp>
         <p:nvSpPr>
-          <p:cNvPr id="341" name="Shape 341"/>
+          <p:cNvPr id="342" name="Shape 342"/>
           <p:cNvSpPr/>
           <p:nvPr>
             <p:ph type="title"/>
@@ -22238,7 +22287,7 @@
       </p:sp>
       <p:sp>
         <p:nvSpPr>
-          <p:cNvPr id="342" name="Shape 342"/>
+          <p:cNvPr id="343" name="Shape 343"/>
           <p:cNvSpPr/>
           <p:nvPr>
             <p:ph type="body" idx="1"/>
@@ -22382,7 +22431,7 @@
       </p:sp>
       <p:sp>
         <p:nvSpPr>
-          <p:cNvPr id="343" name="Shape 343"/>
+          <p:cNvPr id="344" name="Shape 344"/>
           <p:cNvSpPr/>
           <p:nvPr>
             <p:ph type="sldNum" sz="quarter" idx="2"/>
@@ -22445,7 +22494,7 @@
       </p:grpSpPr>
       <p:sp>
         <p:nvSpPr>
-          <p:cNvPr id="345" name="Shape 345"/>
+          <p:cNvPr id="346" name="Shape 346"/>
           <p:cNvSpPr/>
           <p:nvPr/>
         </p:nvSpPr>
@@ -22507,7 +22556,7 @@
       </p:sp>
       <p:sp>
         <p:nvSpPr>
-          <p:cNvPr id="346" name="Shape 346"/>
+          <p:cNvPr id="347" name="Shape 347"/>
           <p:cNvSpPr/>
           <p:nvPr>
             <p:ph type="title"/>
@@ -22548,7 +22597,7 @@
       </p:sp>
       <p:sp>
         <p:nvSpPr>
-          <p:cNvPr id="347" name="Shape 347"/>
+          <p:cNvPr id="348" name="Shape 348"/>
           <p:cNvSpPr/>
           <p:nvPr>
             <p:ph type="body" idx="1"/>
@@ -22669,7 +22718,7 @@
       </p:sp>
       <p:sp>
         <p:nvSpPr>
-          <p:cNvPr id="348" name="Shape 348"/>
+          <p:cNvPr id="349" name="Shape 349"/>
           <p:cNvSpPr/>
           <p:nvPr>
             <p:ph type="sldNum" sz="quarter" idx="2"/>
@@ -22732,7 +22781,7 @@
       </p:grpSpPr>
       <p:sp>
         <p:nvSpPr>
-          <p:cNvPr id="350" name="Shape 350"/>
+          <p:cNvPr id="351" name="Shape 351"/>
           <p:cNvSpPr/>
           <p:nvPr>
             <p:ph type="title"/>
@@ -22773,7 +22822,7 @@
       </p:sp>
       <p:sp>
         <p:nvSpPr>
-          <p:cNvPr id="351" name="Shape 351"/>
+          <p:cNvPr id="352" name="Shape 352"/>
           <p:cNvSpPr/>
           <p:nvPr>
             <p:ph type="body" idx="1"/>
@@ -22804,7 +22853,7 @@
       </p:sp>
       <p:sp>
         <p:nvSpPr>
-          <p:cNvPr id="352" name="Shape 352"/>
+          <p:cNvPr id="353" name="Shape 353"/>
           <p:cNvSpPr/>
           <p:nvPr>
             <p:ph type="sldNum" sz="quarter" idx="2"/>
@@ -22901,7 +22950,7 @@
                   <a:srgbClr val="333399"/>
                 </a:solidFill>
               </a:rPr>
-              <a:t>Amazon AWS Education</a:t>
+              <a:t>Amazon AWS Educate</a:t>
             </a:r>
           </a:p>
         </p:txBody>
@@ -22923,22 +22972,38 @@
           <a:bodyPr lIns="0" tIns="0" rIns="0" bIns="0">
             <a:normAutofit fontScale="100000" lnSpcReduction="0"/>
           </a:bodyPr>
-          <a:lstStyle>
-            <a:lvl1pPr marL="533400" indent="-533400">
-              <a:defRPr>
-                <a:hlinkClick r:id="rId2" invalidUrl="" action="" tgtFrame="" tooltip="" history="1" highlightClick="0" endSnd="0"/>
-              </a:defRPr>
-            </a:lvl1pPr>
-          </a:lstStyle>
+          <a:lstStyle/>
           <a:p>
             <a:pPr lvl="0">
               <a:defRPr sz="1800"/>
             </a:pPr>
             <a:r>
-              <a:rPr sz="2800">
+              <a:t>Visit </a:t>
+            </a:r>
+            <a:r>
+              <a:rPr u="sng">
+                <a:solidFill>
+                  <a:srgbClr val="0000FF"/>
+                </a:solidFill>
+                <a:uFill>
+                  <a:solidFill>
+                    <a:srgbClr val="0000FF"/>
+                  </a:solidFill>
+                </a:uFill>
                 <a:hlinkClick r:id="rId2" invalidUrl="" action="" tgtFrame="" tooltip="" history="1" highlightClick="0" endSnd="0"/>
               </a:rPr>
               <a:t>https://aws.amazon.com/education/awseducate/</a:t>
+            </a:r>
+            <a:r>
+              <a:t> and Sign up, if you want. </a:t>
+            </a:r>
+          </a:p>
+          <a:p>
+            <a:pPr lvl="0">
+              <a:defRPr sz="1800"/>
+            </a:pPr>
+            <a:r>
+              <a:t>Free credits for students and a few other benefits.</a:t>
             </a:r>
           </a:p>
         </p:txBody>
@@ -26418,18 +26483,18 @@
       </p:par>
     </p:tnLst>
     <p:bldLst>
+      <p:bldP build="whole" bldLvl="1" animBg="1" rev="0" advAuto="0" spid="110" grpId="9"/>
+      <p:bldP build="whole" bldLvl="1" animBg="1" rev="0" advAuto="0" spid="111" grpId="10"/>
+      <p:bldP build="whole" bldLvl="1" animBg="1" rev="0" advAuto="0" spid="100" grpId="1"/>
+      <p:bldP build="whole" bldLvl="1" animBg="1" rev="0" advAuto="0" spid="106" grpId="6"/>
+      <p:bldP build="whole" bldLvl="1" animBg="1" rev="0" advAuto="0" spid="109" grpId="12"/>
+      <p:bldP build="whole" bldLvl="1" animBg="1" rev="0" advAuto="0" spid="101" grpId="3"/>
+      <p:bldP build="whole" bldLvl="1" animBg="1" rev="0" advAuto="0" spid="105" grpId="7"/>
+      <p:bldP build="whole" bldLvl="1" animBg="1" rev="0" advAuto="0" spid="108" grpId="8"/>
+      <p:bldP build="whole" bldLvl="1" animBg="1" rev="0" advAuto="0" spid="107" grpId="11"/>
       <p:bldP build="whole" bldLvl="1" animBg="1" rev="0" advAuto="0" spid="104" grpId="4"/>
-      <p:bldP build="whole" bldLvl="1" animBg="1" rev="0" advAuto="0" spid="108" grpId="8"/>
       <p:bldP build="whole" bldLvl="1" animBg="1" rev="0" advAuto="0" spid="103" grpId="5"/>
-      <p:bldP build="whole" bldLvl="1" animBg="1" rev="0" advAuto="0" spid="101" grpId="3"/>
-      <p:bldP build="whole" bldLvl="1" animBg="1" rev="0" advAuto="0" spid="100" grpId="1"/>
       <p:bldP build="whole" bldLvl="1" animBg="1" rev="0" advAuto="0" spid="102" grpId="2"/>
-      <p:bldP build="whole" bldLvl="1" animBg="1" rev="0" advAuto="0" spid="111" grpId="10"/>
-      <p:bldP build="whole" bldLvl="1" animBg="1" rev="0" advAuto="0" spid="109" grpId="12"/>
-      <p:bldP build="whole" bldLvl="1" animBg="1" rev="0" advAuto="0" spid="106" grpId="6"/>
-      <p:bldP build="whole" bldLvl="1" animBg="1" rev="0" advAuto="0" spid="110" grpId="9"/>
-      <p:bldP build="whole" bldLvl="1" animBg="1" rev="0" advAuto="0" spid="105" grpId="7"/>
-      <p:bldP build="whole" bldLvl="1" animBg="1" rev="0" advAuto="0" spid="107" grpId="11"/>
     </p:bldLst>
   </p:timing>
 </p:sld>
